--- a/M05_Reference_variables/01 Presentacion/M05_Reference_variables.pptx
+++ b/M05_Reference_variables/01 Presentacion/M05_Reference_variables.pptx
@@ -12347,60 +12347,8 @@
               <a:buNone/>
             </a:pPr>
             <a:r>
-              <a:rPr lang="es-MX" dirty="0" err="1"/>
-              <a:t>We</a:t>
-            </a:r>
-            <a:r>
               <a:rPr lang="es-MX" dirty="0"/>
-              <a:t> </a:t>
-            </a:r>
-            <a:r>
-              <a:rPr lang="es-MX" dirty="0" err="1"/>
-              <a:t>want</a:t>
-            </a:r>
-            <a:r>
-              <a:rPr lang="es-MX" dirty="0"/>
-              <a:t> </a:t>
-            </a:r>
-            <a:r>
-              <a:rPr lang="es-MX" dirty="0" err="1"/>
-              <a:t>to</a:t>
-            </a:r>
-            <a:r>
-              <a:rPr lang="es-MX" dirty="0"/>
-              <a:t> </a:t>
-            </a:r>
-            <a:r>
-              <a:rPr lang="es-MX" dirty="0" err="1"/>
-              <a:t>represent</a:t>
-            </a:r>
-            <a:r>
-              <a:rPr lang="es-MX" dirty="0"/>
-              <a:t> a </a:t>
-            </a:r>
-            <a:r>
-              <a:rPr lang="es-MX" dirty="0" err="1"/>
-              <a:t>Classroom</a:t>
-            </a:r>
-            <a:r>
-              <a:rPr lang="es-MX" dirty="0"/>
-              <a:t> full </a:t>
-            </a:r>
-            <a:r>
-              <a:rPr lang="es-MX" dirty="0" err="1"/>
-              <a:t>of</a:t>
-            </a:r>
-            <a:r>
-              <a:rPr lang="es-MX" dirty="0"/>
-              <a:t> </a:t>
-            </a:r>
-            <a:r>
-              <a:rPr lang="es-MX" dirty="0" err="1"/>
-              <a:t>students</a:t>
-            </a:r>
-            <a:r>
-              <a:rPr lang="es-MX" dirty="0"/>
-              <a:t>.</a:t>
+              <a:t>We want to represent a Classroom full of Students.</a:t>
             </a:r>
           </a:p>
           <a:p>
@@ -12426,68 +12374,8 @@
               <a:buNone/>
             </a:pPr>
             <a:r>
-              <a:rPr lang="es-MX" dirty="0" err="1"/>
-              <a:t>Each</a:t>
-            </a:r>
-            <a:r>
               <a:rPr lang="es-MX" dirty="0"/>
-              <a:t> </a:t>
-            </a:r>
-            <a:r>
-              <a:rPr lang="es-MX" dirty="0" err="1"/>
-              <a:t>student</a:t>
-            </a:r>
-            <a:r>
-              <a:rPr lang="es-MX" dirty="0"/>
-              <a:t> </a:t>
-            </a:r>
-            <a:r>
-              <a:rPr lang="es-MX" dirty="0" err="1"/>
-              <a:t>must</a:t>
-            </a:r>
-            <a:r>
-              <a:rPr lang="es-MX" dirty="0"/>
-              <a:t> be </a:t>
-            </a:r>
-            <a:r>
-              <a:rPr lang="es-MX" dirty="0" err="1"/>
-              <a:t>able</a:t>
-            </a:r>
-            <a:r>
-              <a:rPr lang="es-MX" dirty="0"/>
-              <a:t> </a:t>
-            </a:r>
-            <a:r>
-              <a:rPr lang="es-MX" dirty="0" err="1"/>
-              <a:t>to</a:t>
-            </a:r>
-            <a:r>
-              <a:rPr lang="es-MX" dirty="0"/>
-              <a:t> store a </a:t>
-            </a:r>
-            <a:r>
-              <a:rPr lang="es-MX" dirty="0" err="1"/>
-              <a:t>name</a:t>
-            </a:r>
-            <a:r>
-              <a:rPr lang="es-MX" dirty="0"/>
-              <a:t> and </a:t>
-            </a:r>
-            <a:r>
-              <a:rPr lang="es-MX" dirty="0" err="1"/>
-              <a:t>their</a:t>
-            </a:r>
-            <a:r>
-              <a:rPr lang="es-MX" dirty="0"/>
-              <a:t> </a:t>
-            </a:r>
-            <a:r>
-              <a:rPr lang="es-MX" dirty="0" err="1"/>
-              <a:t>student</a:t>
-            </a:r>
-            <a:r>
-              <a:rPr lang="es-MX" dirty="0"/>
-              <a:t> id.</a:t>
+              <a:t>Each instance of a Student must be able to store a name and their student id.</a:t>
             </a:r>
             <a:endParaRPr dirty="0"/>
           </a:p>
@@ -12502,172 +12390,8 @@
               <a:buNone/>
             </a:pPr>
             <a:r>
-              <a:rPr lang="es-MX" dirty="0" err="1"/>
-              <a:t>Each</a:t>
-            </a:r>
-            <a:r>
               <a:rPr lang="es-MX" dirty="0"/>
-              <a:t> </a:t>
-            </a:r>
-            <a:r>
-              <a:rPr lang="es-MX" dirty="0" err="1"/>
-              <a:t>Classroom</a:t>
-            </a:r>
-            <a:r>
-              <a:rPr lang="es-MX" dirty="0"/>
-              <a:t> </a:t>
-            </a:r>
-            <a:r>
-              <a:rPr lang="es-MX" dirty="0" err="1"/>
-              <a:t>must</a:t>
-            </a:r>
-            <a:r>
-              <a:rPr lang="es-MX" dirty="0"/>
-              <a:t> be </a:t>
-            </a:r>
-            <a:r>
-              <a:rPr lang="es-MX" dirty="0" err="1"/>
-              <a:t>able</a:t>
-            </a:r>
-            <a:r>
-              <a:rPr lang="es-MX" dirty="0"/>
-              <a:t> </a:t>
-            </a:r>
-            <a:r>
-              <a:rPr lang="es-MX" dirty="0" err="1"/>
-              <a:t>to</a:t>
-            </a:r>
-            <a:r>
-              <a:rPr lang="es-MX" dirty="0"/>
-              <a:t> </a:t>
-            </a:r>
-            <a:r>
-              <a:rPr lang="es-MX" dirty="0" err="1"/>
-              <a:t>hold</a:t>
-            </a:r>
-            <a:r>
-              <a:rPr lang="es-MX" dirty="0"/>
-              <a:t> </a:t>
-            </a:r>
-            <a:r>
-              <a:rPr lang="es-MX" dirty="0" err="1"/>
-              <a:t>an</a:t>
-            </a:r>
-            <a:r>
-              <a:rPr lang="es-MX" dirty="0"/>
-              <a:t> array </a:t>
-            </a:r>
-            <a:r>
-              <a:rPr lang="es-MX" dirty="0" err="1"/>
-              <a:t>of</a:t>
-            </a:r>
-            <a:r>
-              <a:rPr lang="es-MX" dirty="0"/>
-              <a:t> </a:t>
-            </a:r>
-            <a:r>
-              <a:rPr lang="es-MX" dirty="0" err="1"/>
-              <a:t>students</a:t>
-            </a:r>
-            <a:r>
-              <a:rPr lang="es-MX" dirty="0"/>
-              <a:t>, </a:t>
-            </a:r>
-            <a:r>
-              <a:rPr lang="es-MX" dirty="0" err="1"/>
-              <a:t>with</a:t>
-            </a:r>
-            <a:r>
-              <a:rPr lang="es-MX" dirty="0"/>
-              <a:t> </a:t>
-            </a:r>
-            <a:r>
-              <a:rPr lang="es-MX" dirty="0" err="1"/>
-              <a:t>the</a:t>
-            </a:r>
-            <a:r>
-              <a:rPr lang="es-MX" dirty="0"/>
-              <a:t> </a:t>
-            </a:r>
-            <a:r>
-              <a:rPr lang="es-MX" dirty="0" err="1"/>
-              <a:t>name</a:t>
-            </a:r>
-            <a:r>
-              <a:rPr lang="es-MX" dirty="0"/>
-              <a:t> </a:t>
-            </a:r>
-            <a:r>
-              <a:rPr lang="es-MX" dirty="0" err="1"/>
-              <a:t>of</a:t>
-            </a:r>
-            <a:r>
-              <a:rPr lang="es-MX" dirty="0"/>
-              <a:t> </a:t>
-            </a:r>
-            <a:r>
-              <a:rPr lang="es-MX" dirty="0" err="1"/>
-              <a:t>the</a:t>
-            </a:r>
-            <a:r>
-              <a:rPr lang="es-MX" dirty="0"/>
-              <a:t> </a:t>
-            </a:r>
-            <a:r>
-              <a:rPr lang="es-MX" dirty="0" err="1"/>
-              <a:t>class</a:t>
-            </a:r>
-            <a:r>
-              <a:rPr lang="es-MX" dirty="0"/>
-              <a:t> and </a:t>
-            </a:r>
-            <a:r>
-              <a:rPr lang="es-MX" dirty="0" err="1"/>
-              <a:t>the</a:t>
-            </a:r>
-            <a:r>
-              <a:rPr lang="es-MX" dirty="0"/>
-              <a:t> </a:t>
-            </a:r>
-            <a:r>
-              <a:rPr lang="es-MX" dirty="0" err="1"/>
-              <a:t>room</a:t>
-            </a:r>
-            <a:r>
-              <a:rPr lang="es-MX" dirty="0"/>
-              <a:t> </a:t>
-            </a:r>
-            <a:r>
-              <a:rPr lang="es-MX" dirty="0" err="1"/>
-              <a:t>where</a:t>
-            </a:r>
-            <a:r>
-              <a:rPr lang="es-MX" dirty="0"/>
-              <a:t> </a:t>
-            </a:r>
-            <a:r>
-              <a:rPr lang="es-MX" dirty="0" err="1"/>
-              <a:t>the</a:t>
-            </a:r>
-            <a:r>
-              <a:rPr lang="es-MX" dirty="0"/>
-              <a:t> </a:t>
-            </a:r>
-            <a:r>
-              <a:rPr lang="es-MX" dirty="0" err="1"/>
-              <a:t>class</a:t>
-            </a:r>
-            <a:r>
-              <a:rPr lang="es-MX" dirty="0"/>
-              <a:t> </a:t>
-            </a:r>
-            <a:r>
-              <a:rPr lang="es-MX" dirty="0" err="1"/>
-              <a:t>takes</a:t>
-            </a:r>
-            <a:r>
-              <a:rPr lang="es-MX" dirty="0"/>
-              <a:t> place.</a:t>
+              <a:t>Each Classroom must be able to hold an array of students, with the room where the class takes place.</a:t>
             </a:r>
           </a:p>
         </p:txBody>
